--- a/presentation/pptx/00-Introduction.pptx
+++ b/presentation/pptx/00-Introduction.pptx
@@ -218,7 +218,7 @@
           <a:p>
             <a:fld id="{5C93CA8F-50F8-44B5-B48F-4C4452AC4FCB}" type="datetimeFigureOut">
               <a:rPr lang="he-IL" smtClean="0"/>
-              <a:t>י"א/תמוז/תשע"ט</a:t>
+              <a:t>י"ד/תמוז/תשע"ט</a:t>
             </a:fld>
             <a:endParaRPr lang="he-IL"/>
           </a:p>
@@ -4764,11 +4764,7 @@
           <a:p>
             <a:r>
               <a:rPr lang="en-US" dirty="0" smtClean="0"/>
-              <a:t>July </a:t>
-            </a:r>
-            <a:r>
-              <a:rPr lang="en-US" dirty="0" smtClean="0"/>
-              <a:t>2019</a:t>
+              <a:t>July 2019</a:t>
             </a:r>
             <a:endParaRPr lang="he-IL" dirty="0"/>
           </a:p>
@@ -5050,7 +5046,7 @@
         <p:spPr/>
         <p:txBody>
           <a:bodyPr>
-            <a:normAutofit fontScale="92500" lnSpcReduction="10000"/>
+            <a:normAutofit lnSpcReduction="10000"/>
           </a:bodyPr>
           <a:lstStyle/>
           <a:p>
@@ -5117,22 +5113,40 @@
             </a:r>
             <a:r>
               <a:rPr lang="en-US" sz="2400" dirty="0" smtClean="0"/>
-              <a:t> in R</a:t>
-            </a:r>
-          </a:p>
-          <a:p>
+              <a:t> in </a:t>
+            </a:r>
+            <a:r>
+              <a:rPr lang="en-US" sz="2400" dirty="0" smtClean="0"/>
+              <a:t>R</a:t>
+            </a:r>
             <a:endParaRPr lang="en-US" sz="2400" b="1" dirty="0"/>
           </a:p>
           <a:p>
             <a:r>
               <a:rPr lang="en-US" sz="2400" dirty="0" smtClean="0"/>
-              <a:t>This course will resemble an “academic course”, </a:t>
-            </a:r>
-          </a:p>
-          <a:p>
+              <a:t>This course will </a:t>
+            </a:r>
             <a:r>
               <a:rPr lang="en-US" sz="2400" dirty="0" smtClean="0"/>
-              <a:t>But not to make it too dry we will have some “hands-on”</a:t>
+              <a:t>in part resemble </a:t>
+            </a:r>
+            <a:r>
+              <a:rPr lang="en-US" sz="2400" dirty="0" smtClean="0"/>
+              <a:t>an “academic course”, </a:t>
+            </a:r>
+          </a:p>
+          <a:p>
+            <a:r>
+              <a:rPr lang="en-US" sz="2400" dirty="0" smtClean="0"/>
+              <a:t>But not to make it too </a:t>
+            </a:r>
+            <a:r>
+              <a:rPr lang="en-US" sz="2400" dirty="0" smtClean="0"/>
+              <a:t>dry or math technical we </a:t>
+            </a:r>
+            <a:r>
+              <a:rPr lang="en-US" sz="2400" dirty="0" smtClean="0"/>
+              <a:t>will have some “hands-on”</a:t>
             </a:r>
           </a:p>
           <a:p>
@@ -5312,11 +5326,7 @@
           <a:p>
             <a:r>
               <a:rPr lang="en-US" dirty="0" smtClean="0"/>
-              <a:t>Course </a:t>
-            </a:r>
-            <a:r>
-              <a:rPr lang="en-US" dirty="0" smtClean="0"/>
-              <a:t>syllabus</a:t>
+              <a:t>Course syllabus</a:t>
             </a:r>
             <a:endParaRPr lang="he-IL" dirty="0"/>
           </a:p>
@@ -5353,7 +5363,15 @@
             </a:r>
             <a:r>
               <a:rPr lang="en-US" dirty="0" smtClean="0"/>
-              <a:t>, shrinkage, PCA, subset selection, relative importance)</a:t>
+              <a:t>, shrinkage, PCA, </a:t>
+            </a:r>
+            <a:r>
+              <a:rPr lang="en-US" dirty="0" smtClean="0"/>
+              <a:t>feature </a:t>
+            </a:r>
+            <a:r>
+              <a:rPr lang="en-US" dirty="0" smtClean="0"/>
+              <a:t>selection, relative importance)</a:t>
             </a:r>
           </a:p>
           <a:p>
@@ -5562,19 +5580,8 @@
                 <a:latin typeface="Courier New" panose="02070309020205020404" pitchFamily="49" charset="0"/>
                 <a:cs typeface="Courier New" panose="02070309020205020404" pitchFamily="49" charset="0"/>
               </a:rPr>
-              <a:t> clone https://</a:t>
-            </a:r>
-            <a:r>
-              <a:rPr lang="en-US" sz="1600" dirty="0" smtClean="0">
-                <a:latin typeface="Courier New" panose="02070309020205020404" pitchFamily="49" charset="0"/>
-                <a:cs typeface="Courier New" panose="02070309020205020404" pitchFamily="49" charset="0"/>
-              </a:rPr>
-              <a:t>github.com/sarid-ins/statistical_learning_course</a:t>
-            </a:r>
-            <a:endParaRPr lang="en-US" sz="1600" dirty="0" smtClean="0">
-              <a:latin typeface="Courier New" panose="02070309020205020404" pitchFamily="49" charset="0"/>
-              <a:cs typeface="Courier New" panose="02070309020205020404" pitchFamily="49" charset="0"/>
-            </a:endParaRPr>
+              <a:t> clone https://github.com/sarid-ins/statistical_learning_course</a:t>
+            </a:r>
           </a:p>
           <a:p>
             <a:r>
@@ -5599,22 +5606,14 @@
           <a:p>
             <a:r>
               <a:rPr lang="en-US" dirty="0" smtClean="0"/>
-              <a:t>Please </a:t>
-            </a:r>
+              <a:t>Please make sure you have:</a:t>
+            </a:r>
+          </a:p>
+          <a:p>
+            <a:pPr lvl="1"/>
             <a:r>
               <a:rPr lang="en-US" dirty="0" smtClean="0"/>
-              <a:t>make sure you have:</a:t>
-            </a:r>
-          </a:p>
-          <a:p>
-            <a:pPr lvl="1"/>
-            <a:r>
-              <a:rPr lang="en-US" dirty="0" smtClean="0"/>
-              <a:t>Latest R (</a:t>
-            </a:r>
-            <a:r>
-              <a:rPr lang="en-US" dirty="0" smtClean="0"/>
-              <a:t>3.6+) </a:t>
+              <a:t>Latest R (3.6+) </a:t>
             </a:r>
             <a:r>
               <a:rPr lang="en-US" dirty="0"/>
@@ -5698,15 +5697,7 @@
             <a:pPr lvl="1"/>
             <a:r>
               <a:rPr lang="en-US" dirty="0" smtClean="0"/>
-              <a:t>Enthusiasm and </a:t>
-            </a:r>
-            <a:r>
-              <a:rPr lang="en-US" dirty="0" smtClean="0"/>
-              <a:t>curiosity! </a:t>
-            </a:r>
-            <a:r>
-              <a:rPr lang="en-US" dirty="0" smtClean="0"/>
-              <a:t>(it’s going to be fun)</a:t>
+              <a:t>Enthusiasm and curiosity! (it’s going to be fun)</a:t>
             </a:r>
           </a:p>
         </p:txBody>
@@ -5934,11 +5925,7 @@
           <a:p>
             <a:r>
               <a:rPr lang="en-US" dirty="0" smtClean="0"/>
-              <a:t>Sign-up </a:t>
-            </a:r>
-            <a:r>
-              <a:rPr lang="en-US" dirty="0" smtClean="0"/>
-              <a:t>to </a:t>
+              <a:t>Sign-up to </a:t>
             </a:r>
             <a:r>
               <a:rPr lang="en-US" dirty="0" smtClean="0">
@@ -5948,13 +5935,8 @@
             </a:r>
             <a:r>
               <a:rPr lang="en-US" dirty="0" smtClean="0"/>
-              <a:t> mailing </a:t>
-            </a:r>
-            <a:r>
-              <a:rPr lang="en-US" dirty="0" smtClean="0"/>
-              <a:t>list</a:t>
-            </a:r>
-            <a:endParaRPr lang="en-US" dirty="0" smtClean="0"/>
+              <a:t> mailing list</a:t>
+            </a:r>
           </a:p>
         </p:txBody>
       </p:sp>

--- a/presentation/pptx/00-Introduction.pptx
+++ b/presentation/pptx/00-Introduction.pptx
@@ -4817,6 +4817,54 @@
           </a:p>
         </p:txBody>
       </p:sp>
+      <p:sp>
+        <p:nvSpPr>
+          <p:cNvPr id="4" name="TextBox 3"/>
+          <p:cNvSpPr txBox="1"/>
+          <p:nvPr/>
+        </p:nvSpPr>
+        <p:spPr>
+          <a:xfrm>
+            <a:off x="4270786" y="5335798"/>
+            <a:ext cx="6845144" cy="923330"/>
+          </a:xfrm>
+          <a:prstGeom prst="rect">
+            <a:avLst/>
+          </a:prstGeom>
+          <a:noFill/>
+        </p:spPr>
+        <p:txBody>
+          <a:bodyPr wrap="none" rtlCol="1">
+            <a:spAutoFit/>
+          </a:bodyPr>
+          <a:lstStyle/>
+          <a:p>
+            <a:r>
+              <a:rPr lang="en-US" i="1" dirty="0" smtClean="0"/>
+              <a:t>“Somewhere</a:t>
+            </a:r>
+            <a:r>
+              <a:rPr lang="en-US" i="1" dirty="0"/>
+              <a:t>, something incredible is waiting to be known</a:t>
+            </a:r>
+            <a:r>
+              <a:rPr lang="en-US" i="1" dirty="0" smtClean="0"/>
+              <a:t>.”</a:t>
+            </a:r>
+          </a:p>
+          <a:p>
+            <a:endParaRPr lang="en-US" dirty="0"/>
+          </a:p>
+          <a:p>
+            <a:pPr algn="r"/>
+            <a:r>
+              <a:rPr lang="en-US" dirty="0" smtClean="0"/>
+              <a:t>- Carl Sagan</a:t>
+            </a:r>
+            <a:endParaRPr lang="he-IL" dirty="0"/>
+          </a:p>
+        </p:txBody>
+      </p:sp>
     </p:spTree>
     <p:extLst>
       <p:ext uri="{BB962C8B-B14F-4D97-AF65-F5344CB8AC3E}">
@@ -5113,40 +5161,20 @@
             </a:r>
             <a:r>
               <a:rPr lang="en-US" sz="2400" dirty="0" smtClean="0"/>
-              <a:t> in </a:t>
-            </a:r>
+              <a:t> in R</a:t>
+            </a:r>
+            <a:endParaRPr lang="en-US" sz="2400" b="1" dirty="0"/>
+          </a:p>
+          <a:p>
             <a:r>
               <a:rPr lang="en-US" sz="2400" dirty="0" smtClean="0"/>
-              <a:t>R</a:t>
-            </a:r>
-            <a:endParaRPr lang="en-US" sz="2400" b="1" dirty="0"/>
+              <a:t>This course will in part resemble an “academic course”, </a:t>
+            </a:r>
           </a:p>
           <a:p>
             <a:r>
               <a:rPr lang="en-US" sz="2400" dirty="0" smtClean="0"/>
-              <a:t>This course will </a:t>
-            </a:r>
-            <a:r>
-              <a:rPr lang="en-US" sz="2400" dirty="0" smtClean="0"/>
-              <a:t>in part resemble </a:t>
-            </a:r>
-            <a:r>
-              <a:rPr lang="en-US" sz="2400" dirty="0" smtClean="0"/>
-              <a:t>an “academic course”, </a:t>
-            </a:r>
-          </a:p>
-          <a:p>
-            <a:r>
-              <a:rPr lang="en-US" sz="2400" dirty="0" smtClean="0"/>
-              <a:t>But not to make it too </a:t>
-            </a:r>
-            <a:r>
-              <a:rPr lang="en-US" sz="2400" dirty="0" smtClean="0"/>
-              <a:t>dry or math technical we </a:t>
-            </a:r>
-            <a:r>
-              <a:rPr lang="en-US" sz="2400" dirty="0" smtClean="0"/>
-              <a:t>will have some “hands-on”</a:t>
+              <a:t>But not to make it too dry or math technical we will have some “hands-on”</a:t>
             </a:r>
           </a:p>
           <a:p>
@@ -5363,15 +5391,7 @@
             </a:r>
             <a:r>
               <a:rPr lang="en-US" dirty="0" smtClean="0"/>
-              <a:t>, shrinkage, PCA, </a:t>
-            </a:r>
-            <a:r>
-              <a:rPr lang="en-US" dirty="0" smtClean="0"/>
-              <a:t>feature </a:t>
-            </a:r>
-            <a:r>
-              <a:rPr lang="en-US" dirty="0" smtClean="0"/>
-              <a:t>selection, relative importance)</a:t>
+              <a:t>, shrinkage, PCA, feature selection, relative importance)</a:t>
             </a:r>
           </a:p>
           <a:p>
